--- a/ポートフォリオ/ポートフォリオ(完成版)20250519.pptx
+++ b/ポートフォリオ/ポートフォリオ(完成版)20250519.pptx
@@ -7,7 +7,7 @@
     <p:sldMasterId id="2147483747" r:id="rId3"/>
   </p:sldMasterIdLst>
   <p:notesMasterIdLst>
-    <p:notesMasterId r:id="rId11"/>
+    <p:notesMasterId r:id="rId10"/>
   </p:notesMasterIdLst>
   <p:sldIdLst>
     <p:sldId id="262" r:id="rId4"/>
@@ -16,7 +16,6 @@
     <p:sldId id="258" r:id="rId7"/>
     <p:sldId id="256" r:id="rId8"/>
     <p:sldId id="259" r:id="rId9"/>
-    <p:sldId id="260" r:id="rId10"/>
   </p:sldIdLst>
   <p:sldSz cx="12192000" cy="6858000"/>
   <p:notesSz cx="6858000" cy="9144000"/>
@@ -118,6 +117,9 @@
   <p:extLst>
     <p:ext uri="{EFAFB233-063F-42B5-8137-9DF3F51BA10A}">
       <p15:sldGuideLst xmlns:p15="http://schemas.microsoft.com/office/powerpoint/2012/main"/>
+    </p:ext>
+    <p:ext uri="{2D200454-40CA-4A62-9FC3-DE9A4176ACB9}">
+      <p15:notesGuideLst xmlns:p15="http://schemas.microsoft.com/office/powerpoint/2012/main"/>
     </p:ext>
   </p:extLst>
 </p:presentation>
@@ -313,7 +315,7 @@
           <a:p>
             <a:fld id="{DCBF048C-D1C8-4188-B6EA-BC4AE5B3EA60}" type="datetimeFigureOut">
               <a:rPr kumimoji="1" lang="ja-JP" altLang="en-US" smtClean="0"/>
-              <a:t>2025/5/19</a:t>
+              <a:t>2025/5/20</a:t>
             </a:fld>
             <a:endParaRPr kumimoji="1" lang="ja-JP" altLang="en-US"/>
           </a:p>
@@ -951,7 +953,7 @@
           <a:p>
             <a:fld id="{454E43A9-A125-401D-ABB3-561F13F11574}" type="datetimeFigureOut">
               <a:rPr kumimoji="1" lang="ja-JP" altLang="en-US" smtClean="0"/>
-              <a:t>2025/5/19</a:t>
+              <a:t>2025/5/20</a:t>
             </a:fld>
             <a:endParaRPr kumimoji="1" lang="ja-JP" altLang="en-US"/>
           </a:p>
@@ -1181,7 +1183,7 @@
           <a:p>
             <a:fld id="{454E43A9-A125-401D-ABB3-561F13F11574}" type="datetimeFigureOut">
               <a:rPr kumimoji="1" lang="ja-JP" altLang="en-US" smtClean="0"/>
-              <a:t>2025/5/19</a:t>
+              <a:t>2025/5/20</a:t>
             </a:fld>
             <a:endParaRPr kumimoji="1" lang="ja-JP" altLang="en-US"/>
           </a:p>
@@ -1421,7 +1423,7 @@
           <a:p>
             <a:fld id="{454E43A9-A125-401D-ABB3-561F13F11574}" type="datetimeFigureOut">
               <a:rPr kumimoji="1" lang="ja-JP" altLang="en-US" smtClean="0"/>
-              <a:t>2025/5/19</a:t>
+              <a:t>2025/5/20</a:t>
             </a:fld>
             <a:endParaRPr kumimoji="1" lang="ja-JP" altLang="en-US"/>
           </a:p>
@@ -1755,7 +1757,7 @@
           <a:p>
             <a:fld id="{B07E4D1B-B3CA-4765-B3CB-C06E0AA34C36}" type="datetimeFigureOut">
               <a:rPr kumimoji="1" lang="ja-JP" altLang="en-US" smtClean="0"/>
-              <a:t>2025/5/19</a:t>
+              <a:t>2025/5/20</a:t>
             </a:fld>
             <a:endParaRPr kumimoji="1" lang="ja-JP" altLang="en-US"/>
           </a:p>
@@ -2382,7 +2384,7 @@
           <a:p>
             <a:fld id="{97BFF81C-1FCB-4DBA-8044-F1A0FCFD45A6}" type="datetime1">
               <a:rPr lang="en-US" smtClean="0"/>
-              <a:t>5/19/2025</a:t>
+              <a:t>5/20/2025</a:t>
             </a:fld>
             <a:endParaRPr lang="en-US" dirty="0"/>
           </a:p>
@@ -2677,7 +2679,7 @@
           <a:p>
             <a:fld id="{454E43A9-A125-401D-ABB3-561F13F11574}" type="datetimeFigureOut">
               <a:rPr kumimoji="1" lang="ja-JP" altLang="en-US" smtClean="0"/>
-              <a:t>2025/5/19</a:t>
+              <a:t>2025/5/20</a:t>
             </a:fld>
             <a:endParaRPr kumimoji="1" lang="ja-JP" altLang="en-US"/>
           </a:p>
@@ -2952,7 +2954,7 @@
           <a:p>
             <a:fld id="{454E43A9-A125-401D-ABB3-561F13F11574}" type="datetimeFigureOut">
               <a:rPr kumimoji="1" lang="ja-JP" altLang="en-US" smtClean="0"/>
-              <a:t>2025/5/19</a:t>
+              <a:t>2025/5/20</a:t>
             </a:fld>
             <a:endParaRPr kumimoji="1" lang="ja-JP" altLang="en-US"/>
           </a:p>
@@ -3281,7 +3283,7 @@
           <a:p>
             <a:fld id="{454E43A9-A125-401D-ABB3-561F13F11574}" type="datetimeFigureOut">
               <a:rPr kumimoji="1" lang="ja-JP" altLang="en-US" smtClean="0"/>
-              <a:t>2025/5/19</a:t>
+              <a:t>2025/5/20</a:t>
             </a:fld>
             <a:endParaRPr kumimoji="1" lang="ja-JP" altLang="en-US"/>
           </a:p>
@@ -3757,7 +3759,7 @@
           <a:p>
             <a:fld id="{454E43A9-A125-401D-ABB3-561F13F11574}" type="datetimeFigureOut">
               <a:rPr kumimoji="1" lang="ja-JP" altLang="en-US" smtClean="0"/>
-              <a:t>2025/5/19</a:t>
+              <a:t>2025/5/20</a:t>
             </a:fld>
             <a:endParaRPr kumimoji="1" lang="ja-JP" altLang="en-US"/>
           </a:p>
@@ -3898,7 +3900,7 @@
           <a:p>
             <a:fld id="{454E43A9-A125-401D-ABB3-561F13F11574}" type="datetimeFigureOut">
               <a:rPr kumimoji="1" lang="ja-JP" altLang="en-US" smtClean="0"/>
-              <a:t>2025/5/19</a:t>
+              <a:t>2025/5/20</a:t>
             </a:fld>
             <a:endParaRPr kumimoji="1" lang="ja-JP" altLang="en-US"/>
           </a:p>
@@ -4011,7 +4013,7 @@
           <a:p>
             <a:fld id="{454E43A9-A125-401D-ABB3-561F13F11574}" type="datetimeFigureOut">
               <a:rPr kumimoji="1" lang="ja-JP" altLang="en-US" smtClean="0"/>
-              <a:t>2025/5/19</a:t>
+              <a:t>2025/5/20</a:t>
             </a:fld>
             <a:endParaRPr kumimoji="1" lang="ja-JP" altLang="en-US"/>
           </a:p>
@@ -4354,7 +4356,7 @@
           <a:p>
             <a:fld id="{454E43A9-A125-401D-ABB3-561F13F11574}" type="datetimeFigureOut">
               <a:rPr kumimoji="1" lang="ja-JP" altLang="en-US" smtClean="0"/>
-              <a:t>2025/5/19</a:t>
+              <a:t>2025/5/20</a:t>
             </a:fld>
             <a:endParaRPr kumimoji="1" lang="ja-JP" altLang="en-US"/>
           </a:p>
@@ -4642,7 +4644,7 @@
           <a:p>
             <a:fld id="{454E43A9-A125-401D-ABB3-561F13F11574}" type="datetimeFigureOut">
               <a:rPr kumimoji="1" lang="ja-JP" altLang="en-US" smtClean="0"/>
-              <a:t>2025/5/19</a:t>
+              <a:t>2025/5/20</a:t>
             </a:fld>
             <a:endParaRPr kumimoji="1" lang="ja-JP" altLang="en-US"/>
           </a:p>
@@ -4915,7 +4917,7 @@
           <a:p>
             <a:fld id="{454E43A9-A125-401D-ABB3-561F13F11574}" type="datetimeFigureOut">
               <a:rPr kumimoji="1" lang="ja-JP" altLang="en-US" smtClean="0"/>
-              <a:t>2025/5/19</a:t>
+              <a:t>2025/5/20</a:t>
             </a:fld>
             <a:endParaRPr kumimoji="1" lang="ja-JP" altLang="en-US"/>
           </a:p>
@@ -5501,7 +5503,7 @@
           <a:p>
             <a:fld id="{B07E4D1B-B3CA-4765-B3CB-C06E0AA34C36}" type="datetimeFigureOut">
               <a:rPr kumimoji="1" lang="ja-JP" altLang="en-US" smtClean="0"/>
-              <a:t>2025/5/19</a:t>
+              <a:t>2025/5/20</a:t>
             </a:fld>
             <a:endParaRPr kumimoji="1" lang="ja-JP" altLang="en-US"/>
           </a:p>
@@ -6145,7 +6147,7 @@
             <a:fld id="{BA543EDD-D0D2-447F-B24F-3717AF4B109D}" type="datetime1">
               <a:rPr lang="en-US" smtClean="0"/>
               <a:pPr/>
-              <a:t>5/19/2025</a:t>
+              <a:t>5/20/2025</a:t>
             </a:fld>
             <a:endParaRPr lang="en-US" dirty="0"/>
           </a:p>
@@ -10272,14 +10274,14 @@
           <p:nvPr>
             <p:extLst>
               <p:ext uri="{D42A27DB-BD31-4B8C-83A1-F6EECF244321}">
-                <p14:modId xmlns:p14="http://schemas.microsoft.com/office/powerpoint/2010/main" val="4016453173"/>
+                <p14:modId xmlns:p14="http://schemas.microsoft.com/office/powerpoint/2010/main" val="2561228860"/>
               </p:ext>
             </p:extLst>
           </p:nvPr>
         </p:nvGraphicFramePr>
         <p:xfrm>
-          <a:off x="4505325" y="415604"/>
-          <a:ext cx="7607629" cy="6339759"/>
+          <a:off x="4584371" y="142064"/>
+          <a:ext cx="7607629" cy="6540090"/>
         </p:xfrm>
         <a:graphic>
           <a:graphicData uri="http://schemas.openxmlformats.org/drawingml/2006/table">
@@ -10303,7 +10305,7 @@
                   </a:extLst>
                 </a:gridCol>
               </a:tblGrid>
-              <a:tr h="1126617">
+              <a:tr h="1184017">
                 <a:tc>
                   <a:txBody>
                     <a:bodyPr/>
@@ -10370,7 +10372,7 @@
                   </a:ext>
                 </a:extLst>
               </a:tr>
-              <a:tr h="1126617">
+              <a:tr h="1184017">
                 <a:tc>
                   <a:txBody>
                     <a:bodyPr/>
@@ -10486,7 +10488,7 @@
                   </a:ext>
                 </a:extLst>
               </a:tr>
-              <a:tr h="778468">
+              <a:tr h="818130">
                 <a:tc>
                   <a:txBody>
                     <a:bodyPr/>
@@ -10547,7 +10549,7 @@
                   </a:ext>
                 </a:extLst>
               </a:tr>
-              <a:tr h="1728292">
+              <a:tr h="1816346">
                 <a:tc>
                   <a:txBody>
                     <a:bodyPr/>
@@ -10644,7 +10646,7 @@
                   </a:ext>
                 </a:extLst>
               </a:tr>
-              <a:tr h="1579765">
+              <a:tr h="1537580">
                 <a:tc>
                   <a:txBody>
                     <a:bodyPr/>
@@ -10674,7 +10676,15 @@
                       </a:pPr>
                       <a:r>
                         <a:rPr kumimoji="1" lang="ja-JP" altLang="en-US" dirty="0"/>
-                        <a:t>どの部分が何を動かしてるプログラミングか読解できるようになった</a:t>
+                        <a:t>どの部分が何を動かしてるプログラミングか</a:t>
+                      </a:r>
+                      <a:r>
+                        <a:rPr kumimoji="1" lang="ja-JP" altLang="en-US" b="1" dirty="0"/>
+                        <a:t>読解</a:t>
+                      </a:r>
+                      <a:r>
+                        <a:rPr kumimoji="1" lang="ja-JP" altLang="en-US" dirty="0"/>
+                        <a:t>できるようになった</a:t>
                       </a:r>
                       <a:endParaRPr kumimoji="1" lang="en-US" altLang="ja-JP" dirty="0"/>
                     </a:p>
@@ -10685,7 +10695,15 @@
                       </a:pPr>
                       <a:r>
                         <a:rPr kumimoji="1" lang="ja-JP" altLang="en-US" dirty="0"/>
-                        <a:t>作業工程をより詳細に分けられるようになった</a:t>
+                        <a:t>作業工程をより</a:t>
+                      </a:r>
+                      <a:r>
+                        <a:rPr kumimoji="1" lang="ja-JP" altLang="en-US" b="1" dirty="0"/>
+                        <a:t>詳細に分けられるように</a:t>
+                      </a:r>
+                      <a:r>
+                        <a:rPr kumimoji="1" lang="ja-JP" altLang="en-US" dirty="0"/>
+                        <a:t>なった</a:t>
                       </a:r>
                       <a:endParaRPr kumimoji="1" lang="en-US" altLang="ja-JP" dirty="0"/>
                     </a:p>
@@ -10695,8 +10713,20 @@
                         <a:buChar char="•"/>
                       </a:pPr>
                       <a:r>
+                        <a:rPr kumimoji="1" lang="ja-JP" altLang="en-US" b="1" dirty="0"/>
+                        <a:t>共通認識を持つ重要性</a:t>
+                      </a:r>
+                      <a:r>
                         <a:rPr kumimoji="1" lang="ja-JP" altLang="en-US" dirty="0"/>
-                        <a:t>言語化の重要性を再認識できた</a:t>
+                        <a:t>と</a:t>
+                      </a:r>
+                      <a:r>
+                        <a:rPr kumimoji="1" lang="ja-JP" altLang="en-US" b="1" dirty="0"/>
+                        <a:t>大変さ</a:t>
+                      </a:r>
+                      <a:r>
+                        <a:rPr kumimoji="1" lang="ja-JP" altLang="en-US" dirty="0"/>
+                        <a:t>を知った</a:t>
                       </a:r>
                       <a:endParaRPr kumimoji="1" lang="en-US" altLang="ja-JP" dirty="0"/>
                     </a:p>
@@ -12404,86 +12434,6 @@
     <p:extLst>
       <p:ext uri="{BB962C8B-B14F-4D97-AF65-F5344CB8AC3E}">
         <p14:creationId xmlns:p14="http://schemas.microsoft.com/office/powerpoint/2010/main" val="1724422954"/>
-      </p:ext>
-    </p:extLst>
-  </p:cSld>
-  <p:clrMapOvr>
-    <a:masterClrMapping/>
-  </p:clrMapOvr>
-</p:sld>
-</file>
-
-<file path=ppt/slides/slide7.xml><?xml version="1.0" encoding="utf-8"?>
-<p:sld xmlns:a="http://schemas.openxmlformats.org/drawingml/2006/main" xmlns:r="http://schemas.openxmlformats.org/officeDocument/2006/relationships" xmlns:p="http://schemas.openxmlformats.org/presentationml/2006/main">
-  <p:cSld>
-    <p:spTree>
-      <p:nvGrpSpPr>
-        <p:cNvPr id="1" name=""/>
-        <p:cNvGrpSpPr/>
-        <p:nvPr/>
-      </p:nvGrpSpPr>
-      <p:grpSpPr>
-        <a:xfrm>
-          <a:off x="0" y="0"/>
-          <a:ext cx="0" cy="0"/>
-          <a:chOff x="0" y="0"/>
-          <a:chExt cx="0" cy="0"/>
-        </a:xfrm>
-      </p:grpSpPr>
-      <p:sp>
-        <p:nvSpPr>
-          <p:cNvPr id="2" name="タイトル 1">
-            <a:extLst>
-              <a:ext uri="{FF2B5EF4-FFF2-40B4-BE49-F238E27FC236}">
-                <a16:creationId xmlns:a16="http://schemas.microsoft.com/office/drawing/2014/main" id="{13C4738D-DCAD-E744-3793-1D64D3AB1149}"/>
-              </a:ext>
-            </a:extLst>
-          </p:cNvPr>
-          <p:cNvSpPr>
-            <a:spLocks noGrp="1"/>
-          </p:cNvSpPr>
-          <p:nvPr>
-            <p:ph type="title"/>
-          </p:nvPr>
-        </p:nvSpPr>
-        <p:spPr/>
-        <p:txBody>
-          <a:bodyPr/>
-          <a:lstStyle/>
-          <a:p>
-            <a:endParaRPr kumimoji="1" lang="ja-JP" altLang="en-US"/>
-          </a:p>
-        </p:txBody>
-      </p:sp>
-      <p:sp>
-        <p:nvSpPr>
-          <p:cNvPr id="3" name="コンテンツ プレースホルダー 2">
-            <a:extLst>
-              <a:ext uri="{FF2B5EF4-FFF2-40B4-BE49-F238E27FC236}">
-                <a16:creationId xmlns:a16="http://schemas.microsoft.com/office/drawing/2014/main" id="{7E387C32-C3DA-BC3F-2EB4-4C0A3B4CD69D}"/>
-              </a:ext>
-            </a:extLst>
-          </p:cNvPr>
-          <p:cNvSpPr>
-            <a:spLocks noGrp="1"/>
-          </p:cNvSpPr>
-          <p:nvPr>
-            <p:ph idx="1"/>
-          </p:nvPr>
-        </p:nvSpPr>
-        <p:spPr/>
-        <p:txBody>
-          <a:bodyPr/>
-          <a:lstStyle/>
-          <a:p>
-            <a:endParaRPr kumimoji="1" lang="ja-JP" altLang="en-US"/>
-          </a:p>
-        </p:txBody>
-      </p:sp>
-    </p:spTree>
-    <p:extLst>
-      <p:ext uri="{BB962C8B-B14F-4D97-AF65-F5344CB8AC3E}">
-        <p14:creationId xmlns:p14="http://schemas.microsoft.com/office/powerpoint/2010/main" val="1999814889"/>
       </p:ext>
     </p:extLst>
   </p:cSld>
